--- a/OptiSync.pptx
+++ b/OptiSync.pptx
@@ -1408,23 +1408,23 @@
     </dgm:pt>
   </dgm:ptLst>
   <dgm:cxnLst>
+    <dgm:cxn modelId="{0E0D3E9A-1375-46D0-8280-96E729CD107C}" srcId="{D171CC02-829C-4224-8CFE-B1816EEA4875}" destId="{FB8BD0CC-29C4-4760-A89D-1B78330940F0}" srcOrd="2" destOrd="0" parTransId="{E6002543-A59B-47AD-BBAE-20549ABDC35A}" sibTransId="{7D579FF4-1BA0-4019-A9BF-FA6041617656}"/>
+    <dgm:cxn modelId="{CABC514F-CEAD-401A-B699-8ECE3C221A31}" type="presOf" srcId="{806F92EB-A049-4950-A045-F8D505BBD744}" destId="{CDA9FF13-22C4-43EF-80D0-F722A086076F}" srcOrd="0" destOrd="0" presId="urn:microsoft.com/office/officeart/2005/8/layout/lProcess3"/>
     <dgm:cxn modelId="{FA0B3EBC-D21E-4608-921A-8FDC481915B1}" type="presOf" srcId="{DB594516-58DA-4D40-B1D7-D4A5C0AA4B7C}" destId="{018894B7-F142-407C-AB07-DE048F6EB796}" srcOrd="0" destOrd="0" presId="urn:microsoft.com/office/officeart/2005/8/layout/lProcess3"/>
+    <dgm:cxn modelId="{168FD82B-A151-4ED2-B783-707143DD93C1}" srcId="{AE618C71-AE7E-476F-B7D7-E6BFDF90C1F9}" destId="{A392B3AE-D09C-4AF2-BCFE-0644270977DD}" srcOrd="0" destOrd="0" parTransId="{9C633F6F-1A5F-4593-B3F8-64D62E5F0469}" sibTransId="{4A839844-0CE0-45AE-98DF-146194C9E8D9}"/>
     <dgm:cxn modelId="{E2A28F77-5099-477C-8C32-FC5BF0F9BC5C}" type="presOf" srcId="{A392B3AE-D09C-4AF2-BCFE-0644270977DD}" destId="{288B50D1-A1EC-4424-85E1-826273EED0D3}" srcOrd="0" destOrd="0" presId="urn:microsoft.com/office/officeart/2005/8/layout/lProcess3"/>
+    <dgm:cxn modelId="{6D7CC718-47CB-49BD-B4EE-24C50A8A29BF}" srcId="{D171CC02-829C-4224-8CFE-B1816EEA4875}" destId="{806F92EB-A049-4950-A045-F8D505BBD744}" srcOrd="0" destOrd="0" parTransId="{ED5ECF66-5CC5-4573-B5DF-A84EAD0B0F8A}" sibTransId="{05E40D0B-FFA8-44F1-9FF6-F2F0D5AE116B}"/>
+    <dgm:cxn modelId="{0FE8700C-1DC9-4DFF-8119-7F43FF8254FC}" srcId="{FB8BD0CC-29C4-4760-A89D-1B78330940F0}" destId="{314692C2-1536-4C98-B71C-D1475928B827}" srcOrd="0" destOrd="0" parTransId="{322054E0-76E4-4580-B4E0-DAAC6E31C34E}" sibTransId="{26E3BC6F-6F75-4DE2-9FBC-48224606C0BD}"/>
     <dgm:cxn modelId="{52100F46-DAEC-4C38-A421-F556324C6C12}" srcId="{806F92EB-A049-4950-A045-F8D505BBD744}" destId="{D0EF84BB-8479-4FD9-84D7-CF32116DF93E}" srcOrd="2" destOrd="0" parTransId="{D011264B-CF0E-4BCE-9544-D411D0203418}" sibTransId="{6373E959-4FEF-44F1-B71E-758B13C6BFB8}"/>
-    <dgm:cxn modelId="{168FD82B-A151-4ED2-B783-707143DD93C1}" srcId="{AE618C71-AE7E-476F-B7D7-E6BFDF90C1F9}" destId="{A392B3AE-D09C-4AF2-BCFE-0644270977DD}" srcOrd="0" destOrd="0" parTransId="{9C633F6F-1A5F-4593-B3F8-64D62E5F0469}" sibTransId="{4A839844-0CE0-45AE-98DF-146194C9E8D9}"/>
+    <dgm:cxn modelId="{C38A17D3-D99B-49AD-ADAA-8B749F785F22}" srcId="{D171CC02-829C-4224-8CFE-B1816EEA4875}" destId="{AE618C71-AE7E-476F-B7D7-E6BFDF90C1F9}" srcOrd="1" destOrd="0" parTransId="{8738EEA4-3E26-40DC-A3AF-C77F64F04952}" sibTransId="{C7EBCB81-6662-43F6-B7BB-502B08C236F4}"/>
+    <dgm:cxn modelId="{72BABDAC-FD3C-4B2E-837A-88C49C35DD14}" srcId="{806F92EB-A049-4950-A045-F8D505BBD744}" destId="{ADD3FAE4-6CF9-4190-A191-E610E12FBA09}" srcOrd="1" destOrd="0" parTransId="{DE9D85DE-129C-4F13-A0A5-2E5C2357CBC5}" sibTransId="{01F003CC-0A59-4790-A267-9388819041B4}"/>
+    <dgm:cxn modelId="{A9C4B201-2DC9-4B76-BDF7-222F7E3C1541}" type="presOf" srcId="{ADD3FAE4-6CF9-4190-A191-E610E12FBA09}" destId="{A1D22581-4375-40A3-ABDF-73D57EEE1CD6}" srcOrd="0" destOrd="0" presId="urn:microsoft.com/office/officeart/2005/8/layout/lProcess3"/>
+    <dgm:cxn modelId="{7F292695-5A4B-43C9-81E3-96B562A0330E}" type="presOf" srcId="{314692C2-1536-4C98-B71C-D1475928B827}" destId="{00334487-E9A3-4ACF-82DE-3D6067180E31}" srcOrd="0" destOrd="0" presId="urn:microsoft.com/office/officeart/2005/8/layout/lProcess3"/>
+    <dgm:cxn modelId="{660C095D-2031-450F-A67D-9209D6AB4D93}" type="presOf" srcId="{AE618C71-AE7E-476F-B7D7-E6BFDF90C1F9}" destId="{43399732-9903-4476-AA08-90826B03F073}" srcOrd="0" destOrd="0" presId="urn:microsoft.com/office/officeart/2005/8/layout/lProcess3"/>
+    <dgm:cxn modelId="{18337491-2970-48F6-82BE-B902F6553603}" type="presOf" srcId="{FB8BD0CC-29C4-4760-A89D-1B78330940F0}" destId="{6BA302D5-54B6-41CF-AEBD-7B4B01CC5356}" srcOrd="0" destOrd="0" presId="urn:microsoft.com/office/officeart/2005/8/layout/lProcess3"/>
+    <dgm:cxn modelId="{F8834AB8-CE1E-433F-B5CA-743A59FBB4C3}" srcId="{806F92EB-A049-4950-A045-F8D505BBD744}" destId="{DB594516-58DA-4D40-B1D7-D4A5C0AA4B7C}" srcOrd="0" destOrd="0" parTransId="{DDE60866-5ABE-4FCA-9507-70DB05F72768}" sibTransId="{2B30ABBA-F932-44CA-B954-CE37FC254CFF}"/>
+    <dgm:cxn modelId="{DF95C4BD-B6C8-472E-8C4F-740652E8B77D}" type="presOf" srcId="{D171CC02-829C-4224-8CFE-B1816EEA4875}" destId="{BCA3C90C-B87F-4249-BCF4-6241CF3B02B5}" srcOrd="0" destOrd="0" presId="urn:microsoft.com/office/officeart/2005/8/layout/lProcess3"/>
     <dgm:cxn modelId="{6F6B6647-B604-4D90-9D2D-8AE79236E04D}" type="presOf" srcId="{D0EF84BB-8479-4FD9-84D7-CF32116DF93E}" destId="{6E7A1614-6504-4D89-B1BF-AC64E11F02C7}" srcOrd="0" destOrd="0" presId="urn:microsoft.com/office/officeart/2005/8/layout/lProcess3"/>
-    <dgm:cxn modelId="{18337491-2970-48F6-82BE-B902F6553603}" type="presOf" srcId="{FB8BD0CC-29C4-4760-A89D-1B78330940F0}" destId="{6BA302D5-54B6-41CF-AEBD-7B4B01CC5356}" srcOrd="0" destOrd="0" presId="urn:microsoft.com/office/officeart/2005/8/layout/lProcess3"/>
-    <dgm:cxn modelId="{72BABDAC-FD3C-4B2E-837A-88C49C35DD14}" srcId="{806F92EB-A049-4950-A045-F8D505BBD744}" destId="{ADD3FAE4-6CF9-4190-A191-E610E12FBA09}" srcOrd="1" destOrd="0" parTransId="{DE9D85DE-129C-4F13-A0A5-2E5C2357CBC5}" sibTransId="{01F003CC-0A59-4790-A267-9388819041B4}"/>
-    <dgm:cxn modelId="{0E0D3E9A-1375-46D0-8280-96E729CD107C}" srcId="{D171CC02-829C-4224-8CFE-B1816EEA4875}" destId="{FB8BD0CC-29C4-4760-A89D-1B78330940F0}" srcOrd="2" destOrd="0" parTransId="{E6002543-A59B-47AD-BBAE-20549ABDC35A}" sibTransId="{7D579FF4-1BA0-4019-A9BF-FA6041617656}"/>
-    <dgm:cxn modelId="{C38A17D3-D99B-49AD-ADAA-8B749F785F22}" srcId="{D171CC02-829C-4224-8CFE-B1816EEA4875}" destId="{AE618C71-AE7E-476F-B7D7-E6BFDF90C1F9}" srcOrd="1" destOrd="0" parTransId="{8738EEA4-3E26-40DC-A3AF-C77F64F04952}" sibTransId="{C7EBCB81-6662-43F6-B7BB-502B08C236F4}"/>
-    <dgm:cxn modelId="{A9C4B201-2DC9-4B76-BDF7-222F7E3C1541}" type="presOf" srcId="{ADD3FAE4-6CF9-4190-A191-E610E12FBA09}" destId="{A1D22581-4375-40A3-ABDF-73D57EEE1CD6}" srcOrd="0" destOrd="0" presId="urn:microsoft.com/office/officeart/2005/8/layout/lProcess3"/>
-    <dgm:cxn modelId="{6D7CC718-47CB-49BD-B4EE-24C50A8A29BF}" srcId="{D171CC02-829C-4224-8CFE-B1816EEA4875}" destId="{806F92EB-A049-4950-A045-F8D505BBD744}" srcOrd="0" destOrd="0" parTransId="{ED5ECF66-5CC5-4573-B5DF-A84EAD0B0F8A}" sibTransId="{05E40D0B-FFA8-44F1-9FF6-F2F0D5AE116B}"/>
-    <dgm:cxn modelId="{DF95C4BD-B6C8-472E-8C4F-740652E8B77D}" type="presOf" srcId="{D171CC02-829C-4224-8CFE-B1816EEA4875}" destId="{BCA3C90C-B87F-4249-BCF4-6241CF3B02B5}" srcOrd="0" destOrd="0" presId="urn:microsoft.com/office/officeart/2005/8/layout/lProcess3"/>
-    <dgm:cxn modelId="{0FE8700C-1DC9-4DFF-8119-7F43FF8254FC}" srcId="{FB8BD0CC-29C4-4760-A89D-1B78330940F0}" destId="{314692C2-1536-4C98-B71C-D1475928B827}" srcOrd="0" destOrd="0" parTransId="{322054E0-76E4-4580-B4E0-DAAC6E31C34E}" sibTransId="{26E3BC6F-6F75-4DE2-9FBC-48224606C0BD}"/>
-    <dgm:cxn modelId="{660C095D-2031-450F-A67D-9209D6AB4D93}" type="presOf" srcId="{AE618C71-AE7E-476F-B7D7-E6BFDF90C1F9}" destId="{43399732-9903-4476-AA08-90826B03F073}" srcOrd="0" destOrd="0" presId="urn:microsoft.com/office/officeart/2005/8/layout/lProcess3"/>
-    <dgm:cxn modelId="{F8834AB8-CE1E-433F-B5CA-743A59FBB4C3}" srcId="{806F92EB-A049-4950-A045-F8D505BBD744}" destId="{DB594516-58DA-4D40-B1D7-D4A5C0AA4B7C}" srcOrd="0" destOrd="0" parTransId="{DDE60866-5ABE-4FCA-9507-70DB05F72768}" sibTransId="{2B30ABBA-F932-44CA-B954-CE37FC254CFF}"/>
-    <dgm:cxn modelId="{7F292695-5A4B-43C9-81E3-96B562A0330E}" type="presOf" srcId="{314692C2-1536-4C98-B71C-D1475928B827}" destId="{00334487-E9A3-4ACF-82DE-3D6067180E31}" srcOrd="0" destOrd="0" presId="urn:microsoft.com/office/officeart/2005/8/layout/lProcess3"/>
-    <dgm:cxn modelId="{CABC514F-CEAD-401A-B699-8ECE3C221A31}" type="presOf" srcId="{806F92EB-A049-4950-A045-F8D505BBD744}" destId="{CDA9FF13-22C4-43EF-80D0-F722A086076F}" srcOrd="0" destOrd="0" presId="urn:microsoft.com/office/officeart/2005/8/layout/lProcess3"/>
     <dgm:cxn modelId="{F2ED7210-2F5D-49C1-8556-F515F270CAF4}" type="presParOf" srcId="{BCA3C90C-B87F-4249-BCF4-6241CF3B02B5}" destId="{4BE5E34F-61B2-4237-995C-EB1A305A1859}" srcOrd="0" destOrd="0" presId="urn:microsoft.com/office/officeart/2005/8/layout/lProcess3"/>
     <dgm:cxn modelId="{837F3547-74B6-4028-BC13-DC475C2CDCAF}" type="presParOf" srcId="{4BE5E34F-61B2-4237-995C-EB1A305A1859}" destId="{CDA9FF13-22C4-43EF-80D0-F722A086076F}" srcOrd="0" destOrd="0" presId="urn:microsoft.com/office/officeart/2005/8/layout/lProcess3"/>
     <dgm:cxn modelId="{EDE070EA-24AC-4862-958F-5354B47F7AD7}" type="presParOf" srcId="{4BE5E34F-61B2-4237-995C-EB1A305A1859}" destId="{19B21DC3-F0C7-4F35-8389-122CE99DC6C1}" srcOrd="1" destOrd="0" presId="urn:microsoft.com/office/officeart/2005/8/layout/lProcess3"/>
@@ -1448,7 +1448,7 @@
   <dgm:whole/>
   <dgm:extLst>
     <a:ext uri="http://schemas.microsoft.com/office/drawing/2008/diagram">
-      <dsp:dataModelExt xmlns:dsp="http://schemas.microsoft.com/office/drawing/2008/diagram" relId="rId6" minVer="http://schemas.openxmlformats.org/drawingml/2006/diagram"/>
+      <dsp:dataModelExt xmlns="" xmlns:dsp="http://schemas.microsoft.com/office/drawing/2008/diagram" relId="rId6" minVer="http://schemas.openxmlformats.org/drawingml/2006/diagram"/>
     </a:ext>
   </dgm:extLst>
 </dgm:dataModel>
@@ -3566,6 +3566,7 @@
           <a:p>
             <a:fld id="{22E0F285-5ABC-44E5-8CF4-5B06A8B6663B}" type="datetimeFigureOut">
               <a:rPr lang="en-IN" smtClean="0"/>
+              <a:pPr/>
               <a:t>26-08-2023</a:t>
             </a:fld>
             <a:endParaRPr lang="en-IN"/>
@@ -3725,6 +3726,7 @@
           <a:p>
             <a:fld id="{9BFAEE4D-CC48-45A9-8E89-F6D128F2B1CA}" type="slidenum">
               <a:rPr lang="en-IN" smtClean="0"/>
+              <a:pPr/>
               <a:t>‹#›</a:t>
             </a:fld>
             <a:endParaRPr lang="en-IN"/>
@@ -3734,7 +3736,7 @@
     </p:spTree>
     <p:extLst>
       <p:ext uri="{BB962C8B-B14F-4D97-AF65-F5344CB8AC3E}">
-        <p14:creationId xmlns:p14="http://schemas.microsoft.com/office/powerpoint/2010/main" val="1141535551"/>
+        <p14:creationId xmlns="" xmlns:p14="http://schemas.microsoft.com/office/powerpoint/2010/main" val="1141535551"/>
       </p:ext>
     </p:extLst>
   </p:cSld>
@@ -3899,6 +3901,7 @@
           <a:p>
             <a:fld id="{9BFAEE4D-CC48-45A9-8E89-F6D128F2B1CA}" type="slidenum">
               <a:rPr lang="en-IN" smtClean="0"/>
+              <a:pPr/>
               <a:t>1</a:t>
             </a:fld>
             <a:endParaRPr lang="en-IN"/>
@@ -3908,7 +3911,7 @@
     </p:spTree>
     <p:extLst>
       <p:ext uri="{BB962C8B-B14F-4D97-AF65-F5344CB8AC3E}">
-        <p14:creationId xmlns:p14="http://schemas.microsoft.com/office/powerpoint/2010/main" val="1186880730"/>
+        <p14:creationId xmlns="" xmlns:p14="http://schemas.microsoft.com/office/powerpoint/2010/main" val="1186880730"/>
       </p:ext>
     </p:extLst>
   </p:cSld>
@@ -4106,6 +4109,7 @@
           <a:p>
             <a:fld id="{A6060ECB-1DAF-4E69-AB26-C4F151C0E0AB}" type="datetimeFigureOut">
               <a:rPr lang="en-IN" smtClean="0"/>
+              <a:pPr/>
               <a:t>26-08-2023</a:t>
             </a:fld>
             <a:endParaRPr lang="en-IN"/>
@@ -4148,6 +4152,7 @@
           <a:p>
             <a:fld id="{3CFD0CF8-7A22-4D6C-94AD-CF019330D237}" type="slidenum">
               <a:rPr lang="en-IN" smtClean="0"/>
+              <a:pPr/>
               <a:t>‹#›</a:t>
             </a:fld>
             <a:endParaRPr lang="en-IN"/>
@@ -4306,6 +4311,7 @@
           <a:p>
             <a:fld id="{A6060ECB-1DAF-4E69-AB26-C4F151C0E0AB}" type="datetimeFigureOut">
               <a:rPr lang="en-IN" smtClean="0"/>
+              <a:pPr/>
               <a:t>26-08-2023</a:t>
             </a:fld>
             <a:endParaRPr lang="en-IN"/>
@@ -4348,6 +4354,7 @@
           <a:p>
             <a:fld id="{3CFD0CF8-7A22-4D6C-94AD-CF019330D237}" type="slidenum">
               <a:rPr lang="en-IN" smtClean="0"/>
+              <a:pPr/>
               <a:t>‹#›</a:t>
             </a:fld>
             <a:endParaRPr lang="en-IN"/>
@@ -4481,6 +4488,7 @@
           <a:p>
             <a:fld id="{A6060ECB-1DAF-4E69-AB26-C4F151C0E0AB}" type="datetimeFigureOut">
               <a:rPr lang="en-IN" smtClean="0"/>
+              <a:pPr/>
               <a:t>26-08-2023</a:t>
             </a:fld>
             <a:endParaRPr lang="en-IN"/>
@@ -4523,6 +4531,7 @@
           <a:p>
             <a:fld id="{3CFD0CF8-7A22-4D6C-94AD-CF019330D237}" type="slidenum">
               <a:rPr lang="en-IN" smtClean="0"/>
+              <a:pPr/>
               <a:t>‹#›</a:t>
             </a:fld>
             <a:endParaRPr lang="en-IN"/>
@@ -4646,6 +4655,7 @@
           <a:p>
             <a:fld id="{A6060ECB-1DAF-4E69-AB26-C4F151C0E0AB}" type="datetimeFigureOut">
               <a:rPr lang="en-IN" smtClean="0"/>
+              <a:pPr/>
               <a:t>26-08-2023</a:t>
             </a:fld>
             <a:endParaRPr lang="en-IN"/>
@@ -4688,6 +4698,7 @@
           <a:p>
             <a:fld id="{3CFD0CF8-7A22-4D6C-94AD-CF019330D237}" type="slidenum">
               <a:rPr lang="en-IN" smtClean="0"/>
+              <a:pPr/>
               <a:t>‹#›</a:t>
             </a:fld>
             <a:endParaRPr lang="en-IN"/>
@@ -4894,6 +4905,7 @@
           <a:p>
             <a:fld id="{A6060ECB-1DAF-4E69-AB26-C4F151C0E0AB}" type="datetimeFigureOut">
               <a:rPr lang="en-IN" smtClean="0"/>
+              <a:pPr/>
               <a:t>26-08-2023</a:t>
             </a:fld>
             <a:endParaRPr lang="en-IN"/>
@@ -4936,6 +4948,7 @@
           <a:p>
             <a:fld id="{3CFD0CF8-7A22-4D6C-94AD-CF019330D237}" type="slidenum">
               <a:rPr lang="en-IN" smtClean="0"/>
+              <a:pPr/>
               <a:t>‹#›</a:t>
             </a:fld>
             <a:endParaRPr lang="en-IN"/>
@@ -5212,6 +5225,7 @@
           <a:p>
             <a:fld id="{A6060ECB-1DAF-4E69-AB26-C4F151C0E0AB}" type="datetimeFigureOut">
               <a:rPr lang="en-IN" smtClean="0"/>
+              <a:pPr/>
               <a:t>26-08-2023</a:t>
             </a:fld>
             <a:endParaRPr lang="en-IN"/>
@@ -5254,6 +5268,7 @@
           <a:p>
             <a:fld id="{3CFD0CF8-7A22-4D6C-94AD-CF019330D237}" type="slidenum">
               <a:rPr lang="en-IN" smtClean="0"/>
+              <a:pPr/>
               <a:t>‹#›</a:t>
             </a:fld>
             <a:endParaRPr lang="en-IN"/>
@@ -5678,6 +5693,7 @@
           <a:p>
             <a:fld id="{A6060ECB-1DAF-4E69-AB26-C4F151C0E0AB}" type="datetimeFigureOut">
               <a:rPr lang="en-IN" smtClean="0"/>
+              <a:pPr/>
               <a:t>26-08-2023</a:t>
             </a:fld>
             <a:endParaRPr lang="en-IN"/>
@@ -5720,6 +5736,7 @@
           <a:p>
             <a:fld id="{3CFD0CF8-7A22-4D6C-94AD-CF019330D237}" type="slidenum">
               <a:rPr lang="en-IN" smtClean="0"/>
+              <a:pPr/>
               <a:t>‹#›</a:t>
             </a:fld>
             <a:endParaRPr lang="en-IN"/>
@@ -5826,6 +5843,7 @@
           <a:p>
             <a:fld id="{A6060ECB-1DAF-4E69-AB26-C4F151C0E0AB}" type="datetimeFigureOut">
               <a:rPr lang="en-IN" smtClean="0"/>
+              <a:pPr/>
               <a:t>26-08-2023</a:t>
             </a:fld>
             <a:endParaRPr lang="en-IN"/>
@@ -5868,6 +5886,7 @@
           <a:p>
             <a:fld id="{3CFD0CF8-7A22-4D6C-94AD-CF019330D237}" type="slidenum">
               <a:rPr lang="en-IN" smtClean="0"/>
+              <a:pPr/>
               <a:t>‹#›</a:t>
             </a:fld>
             <a:endParaRPr lang="en-IN"/>
@@ -5916,6 +5935,7 @@
           <a:p>
             <a:fld id="{A6060ECB-1DAF-4E69-AB26-C4F151C0E0AB}" type="datetimeFigureOut">
               <a:rPr lang="en-IN" smtClean="0"/>
+              <a:pPr/>
               <a:t>26-08-2023</a:t>
             </a:fld>
             <a:endParaRPr lang="en-IN"/>
@@ -5958,6 +5978,7 @@
           <a:p>
             <a:fld id="{3CFD0CF8-7A22-4D6C-94AD-CF019330D237}" type="slidenum">
               <a:rPr lang="en-IN" smtClean="0"/>
+              <a:pPr/>
               <a:t>‹#›</a:t>
             </a:fld>
             <a:endParaRPr lang="en-IN"/>
@@ -6190,6 +6211,7 @@
           <a:p>
             <a:fld id="{A6060ECB-1DAF-4E69-AB26-C4F151C0E0AB}" type="datetimeFigureOut">
               <a:rPr lang="en-IN" smtClean="0"/>
+              <a:pPr/>
               <a:t>26-08-2023</a:t>
             </a:fld>
             <a:endParaRPr lang="en-IN"/>
@@ -6232,6 +6254,7 @@
           <a:p>
             <a:fld id="{3CFD0CF8-7A22-4D6C-94AD-CF019330D237}" type="slidenum">
               <a:rPr lang="en-IN" smtClean="0"/>
+              <a:pPr/>
               <a:t>‹#›</a:t>
             </a:fld>
             <a:endParaRPr lang="en-IN"/>
@@ -6495,6 +6518,7 @@
           <a:p>
             <a:fld id="{A6060ECB-1DAF-4E69-AB26-C4F151C0E0AB}" type="datetimeFigureOut">
               <a:rPr lang="en-IN" smtClean="0"/>
+              <a:pPr/>
               <a:t>26-08-2023</a:t>
             </a:fld>
             <a:endParaRPr lang="en-IN"/>
@@ -6537,6 +6561,7 @@
           <a:p>
             <a:fld id="{3CFD0CF8-7A22-4D6C-94AD-CF019330D237}" type="slidenum">
               <a:rPr lang="en-IN" smtClean="0"/>
+              <a:pPr/>
               <a:t>‹#›</a:t>
             </a:fld>
             <a:endParaRPr lang="en-IN"/>
@@ -6793,6 +6818,7 @@
           <a:p>
             <a:fld id="{A6060ECB-1DAF-4E69-AB26-C4F151C0E0AB}" type="datetimeFigureOut">
               <a:rPr lang="en-IN" smtClean="0"/>
+              <a:pPr/>
               <a:t>26-08-2023</a:t>
             </a:fld>
             <a:endParaRPr lang="en-IN"/>
@@ -6867,6 +6893,7 @@
           <a:p>
             <a:fld id="{3CFD0CF8-7A22-4D6C-94AD-CF019330D237}" type="slidenum">
               <a:rPr lang="en-IN" smtClean="0"/>
+              <a:pPr/>
               <a:t>‹#›</a:t>
             </a:fld>
             <a:endParaRPr lang="en-IN"/>
@@ -7350,7 +7377,7 @@
     </p:spTree>
     <p:extLst>
       <p:ext uri="{BB962C8B-B14F-4D97-AF65-F5344CB8AC3E}">
-        <p14:creationId xmlns:p14="http://schemas.microsoft.com/office/powerpoint/2010/main" val="126847416"/>
+        <p14:creationId xmlns="" xmlns:p14="http://schemas.microsoft.com/office/powerpoint/2010/main" val="126847416"/>
       </p:ext>
     </p:extLst>
   </p:cSld>
@@ -7445,7 +7472,7 @@
           <a:blip r:embed="rId2">
             <a:extLst>
               <a:ext uri="{28A0092B-C50C-407E-A947-70E740481C1C}">
-                <a14:useLocalDpi xmlns:a14="http://schemas.microsoft.com/office/drawing/2010/main" val="0"/>
+                <a14:useLocalDpi xmlns="" xmlns:a14="http://schemas.microsoft.com/office/drawing/2010/main" val="0"/>
               </a:ext>
             </a:extLst>
           </a:blip>
@@ -7469,14 +7496,14 @@
           <a:effectLst/>
           <a:extLst>
             <a:ext uri="{909E8E84-426E-40DD-AFC4-6F175D3DCCD1}">
-              <a14:hiddenFill xmlns:a14="http://schemas.microsoft.com/office/drawing/2010/main">
+              <a14:hiddenFill xmlns="" xmlns:a14="http://schemas.microsoft.com/office/drawing/2010/main">
                 <a:solidFill>
                   <a:schemeClr val="accent1"/>
                 </a:solidFill>
               </a14:hiddenFill>
             </a:ext>
             <a:ext uri="{91240B29-F687-4F45-9708-019B960494DF}">
-              <a14:hiddenLine xmlns:a14="http://schemas.microsoft.com/office/drawing/2010/main" w="9525">
+              <a14:hiddenLine xmlns="" xmlns:a14="http://schemas.microsoft.com/office/drawing/2010/main" w="9525">
                 <a:solidFill>
                   <a:schemeClr val="tx1"/>
                 </a:solidFill>
@@ -7486,7 +7513,7 @@
               </a14:hiddenLine>
             </a:ext>
             <a:ext uri="{AF507438-7753-43E0-B8FC-AC1667EBCBE1}">
-              <a14:hiddenEffects xmlns:a14="http://schemas.microsoft.com/office/drawing/2010/main">
+              <a14:hiddenEffects xmlns="" xmlns:a14="http://schemas.microsoft.com/office/drawing/2010/main">
                 <a:effectLst>
                   <a:outerShdw dist="35921" dir="2700000" algn="ctr" rotWithShape="0">
                     <a:schemeClr val="bg2"/>
@@ -7500,7 +7527,7 @@
     </p:spTree>
     <p:extLst>
       <p:ext uri="{BB962C8B-B14F-4D97-AF65-F5344CB8AC3E}">
-        <p14:creationId xmlns:p14="http://schemas.microsoft.com/office/powerpoint/2010/main" val="3941248664"/>
+        <p14:creationId xmlns="" xmlns:p14="http://schemas.microsoft.com/office/powerpoint/2010/main" val="3941248664"/>
       </p:ext>
     </p:extLst>
   </p:cSld>
@@ -7590,7 +7617,7 @@
           <a:blip r:embed="rId2">
             <a:extLst>
               <a:ext uri="{28A0092B-C50C-407E-A947-70E740481C1C}">
-                <a14:useLocalDpi xmlns:a14="http://schemas.microsoft.com/office/drawing/2010/main" val="0"/>
+                <a14:useLocalDpi xmlns="" xmlns:a14="http://schemas.microsoft.com/office/drawing/2010/main" val="0"/>
               </a:ext>
             </a:extLst>
           </a:blip>
@@ -7614,14 +7641,14 @@
           <a:effectLst/>
           <a:extLst>
             <a:ext uri="{909E8E84-426E-40DD-AFC4-6F175D3DCCD1}">
-              <a14:hiddenFill xmlns:a14="http://schemas.microsoft.com/office/drawing/2010/main">
+              <a14:hiddenFill xmlns="" xmlns:a14="http://schemas.microsoft.com/office/drawing/2010/main">
                 <a:solidFill>
                   <a:schemeClr val="accent1"/>
                 </a:solidFill>
               </a14:hiddenFill>
             </a:ext>
             <a:ext uri="{91240B29-F687-4F45-9708-019B960494DF}">
-              <a14:hiddenLine xmlns:a14="http://schemas.microsoft.com/office/drawing/2010/main" w="9525">
+              <a14:hiddenLine xmlns="" xmlns:a14="http://schemas.microsoft.com/office/drawing/2010/main" w="9525">
                 <a:solidFill>
                   <a:schemeClr val="tx1"/>
                 </a:solidFill>
@@ -7631,7 +7658,7 @@
               </a14:hiddenLine>
             </a:ext>
             <a:ext uri="{AF507438-7753-43E0-B8FC-AC1667EBCBE1}">
-              <a14:hiddenEffects xmlns:a14="http://schemas.microsoft.com/office/drawing/2010/main">
+              <a14:hiddenEffects xmlns="" xmlns:a14="http://schemas.microsoft.com/office/drawing/2010/main">
                 <a:effectLst>
                   <a:outerShdw dist="35921" dir="2700000" algn="ctr" rotWithShape="0">
                     <a:schemeClr val="bg2"/>
@@ -7645,7 +7672,7 @@
     </p:spTree>
     <p:extLst>
       <p:ext uri="{BB962C8B-B14F-4D97-AF65-F5344CB8AC3E}">
-        <p14:creationId xmlns:p14="http://schemas.microsoft.com/office/powerpoint/2010/main" val="1901119503"/>
+        <p14:creationId xmlns="" xmlns:p14="http://schemas.microsoft.com/office/powerpoint/2010/main" val="1901119503"/>
       </p:ext>
     </p:extLst>
   </p:cSld>
@@ -7742,7 +7769,7 @@
           <a:blip r:embed="rId2">
             <a:extLst>
               <a:ext uri="{28A0092B-C50C-407E-A947-70E740481C1C}">
-                <a14:useLocalDpi xmlns:a14="http://schemas.microsoft.com/office/drawing/2010/main" val="0"/>
+                <a14:useLocalDpi xmlns="" xmlns:a14="http://schemas.microsoft.com/office/drawing/2010/main" val="0"/>
               </a:ext>
             </a:extLst>
           </a:blip>
@@ -7766,14 +7793,14 @@
           <a:effectLst/>
           <a:extLst>
             <a:ext uri="{909E8E84-426E-40DD-AFC4-6F175D3DCCD1}">
-              <a14:hiddenFill xmlns:a14="http://schemas.microsoft.com/office/drawing/2010/main">
+              <a14:hiddenFill xmlns="" xmlns:a14="http://schemas.microsoft.com/office/drawing/2010/main">
                 <a:solidFill>
                   <a:schemeClr val="accent1"/>
                 </a:solidFill>
               </a14:hiddenFill>
             </a:ext>
             <a:ext uri="{91240B29-F687-4F45-9708-019B960494DF}">
-              <a14:hiddenLine xmlns:a14="http://schemas.microsoft.com/office/drawing/2010/main" w="9525">
+              <a14:hiddenLine xmlns="" xmlns:a14="http://schemas.microsoft.com/office/drawing/2010/main" w="9525">
                 <a:solidFill>
                   <a:schemeClr val="tx1"/>
                 </a:solidFill>
@@ -7783,7 +7810,7 @@
               </a14:hiddenLine>
             </a:ext>
             <a:ext uri="{AF507438-7753-43E0-B8FC-AC1667EBCBE1}">
-              <a14:hiddenEffects xmlns:a14="http://schemas.microsoft.com/office/drawing/2010/main">
+              <a14:hiddenEffects xmlns="" xmlns:a14="http://schemas.microsoft.com/office/drawing/2010/main">
                 <a:effectLst>
                   <a:outerShdw dist="35921" dir="2700000" algn="ctr" rotWithShape="0">
                     <a:schemeClr val="bg2"/>
@@ -7797,7 +7824,7 @@
     </p:spTree>
     <p:extLst>
       <p:ext uri="{BB962C8B-B14F-4D97-AF65-F5344CB8AC3E}">
-        <p14:creationId xmlns:p14="http://schemas.microsoft.com/office/powerpoint/2010/main" val="1608777974"/>
+        <p14:creationId xmlns="" xmlns:p14="http://schemas.microsoft.com/office/powerpoint/2010/main" val="1608777974"/>
       </p:ext>
     </p:extLst>
   </p:cSld>
@@ -7894,7 +7921,7 @@
           <a:blip r:embed="rId2">
             <a:extLst>
               <a:ext uri="{28A0092B-C50C-407E-A947-70E740481C1C}">
-                <a14:useLocalDpi xmlns:a14="http://schemas.microsoft.com/office/drawing/2010/main" val="0"/>
+                <a14:useLocalDpi xmlns="" xmlns:a14="http://schemas.microsoft.com/office/drawing/2010/main" val="0"/>
               </a:ext>
             </a:extLst>
           </a:blip>
@@ -7918,14 +7945,14 @@
           <a:effectLst/>
           <a:extLst>
             <a:ext uri="{909E8E84-426E-40DD-AFC4-6F175D3DCCD1}">
-              <a14:hiddenFill xmlns:a14="http://schemas.microsoft.com/office/drawing/2010/main">
+              <a14:hiddenFill xmlns="" xmlns:a14="http://schemas.microsoft.com/office/drawing/2010/main">
                 <a:solidFill>
                   <a:schemeClr val="accent1"/>
                 </a:solidFill>
               </a14:hiddenFill>
             </a:ext>
             <a:ext uri="{91240B29-F687-4F45-9708-019B960494DF}">
-              <a14:hiddenLine xmlns:a14="http://schemas.microsoft.com/office/drawing/2010/main" w="9525">
+              <a14:hiddenLine xmlns="" xmlns:a14="http://schemas.microsoft.com/office/drawing/2010/main" w="9525">
                 <a:solidFill>
                   <a:schemeClr val="tx1"/>
                 </a:solidFill>
@@ -7935,7 +7962,7 @@
               </a14:hiddenLine>
             </a:ext>
             <a:ext uri="{AF507438-7753-43E0-B8FC-AC1667EBCBE1}">
-              <a14:hiddenEffects xmlns:a14="http://schemas.microsoft.com/office/drawing/2010/main">
+              <a14:hiddenEffects xmlns="" xmlns:a14="http://schemas.microsoft.com/office/drawing/2010/main">
                 <a:effectLst>
                   <a:outerShdw dist="35921" dir="2700000" algn="ctr" rotWithShape="0">
                     <a:schemeClr val="bg2"/>
@@ -7949,7 +7976,7 @@
     </p:spTree>
     <p:extLst>
       <p:ext uri="{BB962C8B-B14F-4D97-AF65-F5344CB8AC3E}">
-        <p14:creationId xmlns:p14="http://schemas.microsoft.com/office/powerpoint/2010/main" val="1219004167"/>
+        <p14:creationId xmlns="" xmlns:p14="http://schemas.microsoft.com/office/powerpoint/2010/main" val="1219004167"/>
       </p:ext>
     </p:extLst>
   </p:cSld>
@@ -8047,7 +8074,7 @@
           <a:blip r:embed="rId2">
             <a:extLst>
               <a:ext uri="{28A0092B-C50C-407E-A947-70E740481C1C}">
-                <a14:useLocalDpi xmlns:a14="http://schemas.microsoft.com/office/drawing/2010/main" val="0"/>
+                <a14:useLocalDpi xmlns="" xmlns:a14="http://schemas.microsoft.com/office/drawing/2010/main" val="0"/>
               </a:ext>
             </a:extLst>
           </a:blip>
@@ -8071,14 +8098,14 @@
           <a:effectLst/>
           <a:extLst>
             <a:ext uri="{909E8E84-426E-40DD-AFC4-6F175D3DCCD1}">
-              <a14:hiddenFill xmlns:a14="http://schemas.microsoft.com/office/drawing/2010/main">
+              <a14:hiddenFill xmlns="" xmlns:a14="http://schemas.microsoft.com/office/drawing/2010/main">
                 <a:solidFill>
                   <a:schemeClr val="accent1"/>
                 </a:solidFill>
               </a14:hiddenFill>
             </a:ext>
             <a:ext uri="{91240B29-F687-4F45-9708-019B960494DF}">
-              <a14:hiddenLine xmlns:a14="http://schemas.microsoft.com/office/drawing/2010/main" w="9525">
+              <a14:hiddenLine xmlns="" xmlns:a14="http://schemas.microsoft.com/office/drawing/2010/main" w="9525">
                 <a:solidFill>
                   <a:schemeClr val="tx1"/>
                 </a:solidFill>
@@ -8088,7 +8115,7 @@
               </a14:hiddenLine>
             </a:ext>
             <a:ext uri="{AF507438-7753-43E0-B8FC-AC1667EBCBE1}">
-              <a14:hiddenEffects xmlns:a14="http://schemas.microsoft.com/office/drawing/2010/main">
+              <a14:hiddenEffects xmlns="" xmlns:a14="http://schemas.microsoft.com/office/drawing/2010/main">
                 <a:effectLst>
                   <a:outerShdw dist="35921" dir="2700000" algn="ctr" rotWithShape="0">
                     <a:schemeClr val="bg2"/>
@@ -8102,7 +8129,7 @@
     </p:spTree>
     <p:extLst>
       <p:ext uri="{BB962C8B-B14F-4D97-AF65-F5344CB8AC3E}">
-        <p14:creationId xmlns:p14="http://schemas.microsoft.com/office/powerpoint/2010/main" val="2980750905"/>
+        <p14:creationId xmlns="" xmlns:p14="http://schemas.microsoft.com/office/powerpoint/2010/main" val="2980750905"/>
       </p:ext>
     </p:extLst>
   </p:cSld>
@@ -8216,7 +8243,7 @@
           <a:blip r:embed="rId2">
             <a:extLst>
               <a:ext uri="{28A0092B-C50C-407E-A947-70E740481C1C}">
-                <a14:useLocalDpi xmlns:a14="http://schemas.microsoft.com/office/drawing/2010/main" val="0"/>
+                <a14:useLocalDpi xmlns="" xmlns:a14="http://schemas.microsoft.com/office/drawing/2010/main" val="0"/>
               </a:ext>
             </a:extLst>
           </a:blip>
@@ -8240,14 +8267,14 @@
           <a:effectLst/>
           <a:extLst>
             <a:ext uri="{909E8E84-426E-40DD-AFC4-6F175D3DCCD1}">
-              <a14:hiddenFill xmlns:a14="http://schemas.microsoft.com/office/drawing/2010/main">
+              <a14:hiddenFill xmlns="" xmlns:a14="http://schemas.microsoft.com/office/drawing/2010/main">
                 <a:solidFill>
                   <a:schemeClr val="accent1"/>
                 </a:solidFill>
               </a14:hiddenFill>
             </a:ext>
             <a:ext uri="{91240B29-F687-4F45-9708-019B960494DF}">
-              <a14:hiddenLine xmlns:a14="http://schemas.microsoft.com/office/drawing/2010/main" w="9525">
+              <a14:hiddenLine xmlns="" xmlns:a14="http://schemas.microsoft.com/office/drawing/2010/main" w="9525">
                 <a:solidFill>
                   <a:schemeClr val="tx1"/>
                 </a:solidFill>
@@ -8257,7 +8284,7 @@
               </a14:hiddenLine>
             </a:ext>
             <a:ext uri="{AF507438-7753-43E0-B8FC-AC1667EBCBE1}">
-              <a14:hiddenEffects xmlns:a14="http://schemas.microsoft.com/office/drawing/2010/main">
+              <a14:hiddenEffects xmlns="" xmlns:a14="http://schemas.microsoft.com/office/drawing/2010/main">
                 <a:effectLst>
                   <a:outerShdw dist="35921" dir="2700000" algn="ctr" rotWithShape="0">
                     <a:schemeClr val="bg2"/>
@@ -8271,7 +8298,7 @@
     </p:spTree>
     <p:extLst>
       <p:ext uri="{BB962C8B-B14F-4D97-AF65-F5344CB8AC3E}">
-        <p14:creationId xmlns:p14="http://schemas.microsoft.com/office/powerpoint/2010/main" val="186880149"/>
+        <p14:creationId xmlns="" xmlns:p14="http://schemas.microsoft.com/office/powerpoint/2010/main" val="186880149"/>
       </p:ext>
     </p:extLst>
   </p:cSld>
@@ -8348,7 +8375,7 @@
           <a:blip r:embed="rId3">
             <a:extLst>
               <a:ext uri="{28A0092B-C50C-407E-A947-70E740481C1C}">
-                <a14:useLocalDpi xmlns:a14="http://schemas.microsoft.com/office/drawing/2010/main" val="0"/>
+                <a14:useLocalDpi xmlns="" xmlns:a14="http://schemas.microsoft.com/office/drawing/2010/main" val="0"/>
               </a:ext>
             </a:extLst>
           </a:blip>
@@ -8366,7 +8393,7 @@
     </p:spTree>
     <p:extLst>
       <p:ext uri="{BB962C8B-B14F-4D97-AF65-F5344CB8AC3E}">
-        <p14:creationId xmlns:p14="http://schemas.microsoft.com/office/powerpoint/2010/main" val="3732004350"/>
+        <p14:creationId xmlns="" xmlns:p14="http://schemas.microsoft.com/office/powerpoint/2010/main" val="3732004350"/>
       </p:ext>
     </p:extLst>
   </p:cSld>
@@ -8441,7 +8468,7 @@
           <a:blip r:embed="rId2">
             <a:extLst>
               <a:ext uri="{28A0092B-C50C-407E-A947-70E740481C1C}">
-                <a14:useLocalDpi xmlns:a14="http://schemas.microsoft.com/office/drawing/2010/main" val="0"/>
+                <a14:useLocalDpi xmlns="" xmlns:a14="http://schemas.microsoft.com/office/drawing/2010/main" val="0"/>
               </a:ext>
             </a:extLst>
           </a:blip>
@@ -8459,7 +8486,7 @@
     </p:spTree>
     <p:extLst>
       <p:ext uri="{BB962C8B-B14F-4D97-AF65-F5344CB8AC3E}">
-        <p14:creationId xmlns:p14="http://schemas.microsoft.com/office/powerpoint/2010/main" val="534260742"/>
+        <p14:creationId xmlns="" xmlns:p14="http://schemas.microsoft.com/office/powerpoint/2010/main" val="534260742"/>
       </p:ext>
     </p:extLst>
   </p:cSld>
@@ -8529,7 +8556,7 @@
         <p:spPr/>
         <p:txBody>
           <a:bodyPr>
-            <a:normAutofit fontScale="85000" lnSpcReduction="10000"/>
+            <a:normAutofit fontScale="85000" lnSpcReduction="20000"/>
           </a:bodyPr>
           <a:lstStyle/>
           <a:p>
@@ -8605,7 +8632,31 @@
             </a:r>
             <a:r>
               <a:rPr lang="en-US" dirty="0"/>
-              <a:t> modules. They took care of setting up the managerial tasks and overall project setup, respectively.</a:t>
+              <a:t> modules. They took care of setting up the managerial tasks and overall project </a:t>
+            </a:r>
+            <a:r>
+              <a:rPr lang="en-US" dirty="0" smtClean="0"/>
+              <a:t>setup</a:t>
+            </a:r>
+            <a:r>
+              <a:rPr lang="en-US" dirty="0" smtClean="0"/>
+              <a:t>. Karan </a:t>
+            </a:r>
+            <a:r>
+              <a:rPr lang="en-US" dirty="0" smtClean="0"/>
+              <a:t>handled the </a:t>
+            </a:r>
+            <a:r>
+              <a:rPr lang="en-US" b="1" dirty="0" smtClean="0"/>
+              <a:t>Vendor</a:t>
+            </a:r>
+            <a:r>
+              <a:rPr lang="en-US" dirty="0" smtClean="0"/>
+              <a:t> module, effectively managing vendor-related operations. respectively</a:t>
+            </a:r>
+            <a:r>
+              <a:rPr lang="en-US" dirty="0"/>
+              <a:t>.</a:t>
             </a:r>
           </a:p>
           <a:p>
@@ -8681,27 +8732,27 @@
             </a:r>
             <a:r>
               <a:rPr lang="en-US" dirty="0"/>
-              <a:t> modules, where attention was given to product assembly line and ensuring high-quality standards. Additionally, </a:t>
-            </a:r>
-            <a:r>
-              <a:rPr lang="en-US" dirty="0" err="1"/>
+              <a:t> modules, where attention was given to product assembly line and ensuring high-quality </a:t>
+            </a:r>
+            <a:r>
+              <a:rPr lang="en-US" dirty="0" smtClean="0"/>
+              <a:t>standards. Additionally, </a:t>
+            </a:r>
+            <a:r>
+              <a:rPr lang="en-US" dirty="0" err="1" smtClean="0"/>
               <a:t>Shirish</a:t>
             </a:r>
             <a:r>
-              <a:rPr lang="en-US" dirty="0"/>
+              <a:rPr lang="en-US" dirty="0" smtClean="0"/>
               <a:t> handled the </a:t>
             </a:r>
             <a:r>
-              <a:rPr lang="en-US" b="1" dirty="0"/>
+              <a:rPr lang="en-US" b="1" dirty="0" smtClean="0"/>
               <a:t>Vendor</a:t>
             </a:r>
             <a:r>
-              <a:rPr lang="en-US" dirty="0"/>
-              <a:t> module, effectively managing vendor-related operations</a:t>
-            </a:r>
-            <a:r>
               <a:rPr lang="en-US" dirty="0" smtClean="0"/>
-              <a:t>.</a:t>
+              <a:t> module, effectively managing vendor-related operations.</a:t>
             </a:r>
           </a:p>
           <a:p>
@@ -8780,7 +8831,7 @@
     </p:spTree>
     <p:extLst>
       <p:ext uri="{BB962C8B-B14F-4D97-AF65-F5344CB8AC3E}">
-        <p14:creationId xmlns:p14="http://schemas.microsoft.com/office/powerpoint/2010/main" val="2906252441"/>
+        <p14:creationId xmlns="" xmlns:p14="http://schemas.microsoft.com/office/powerpoint/2010/main" val="2906252441"/>
       </p:ext>
     </p:extLst>
   </p:cSld>
@@ -8914,7 +8965,7 @@
     </p:spTree>
     <p:extLst>
       <p:ext uri="{BB962C8B-B14F-4D97-AF65-F5344CB8AC3E}">
-        <p14:creationId xmlns:p14="http://schemas.microsoft.com/office/powerpoint/2010/main" val="1584328033"/>
+        <p14:creationId xmlns="" xmlns:p14="http://schemas.microsoft.com/office/powerpoint/2010/main" val="1584328033"/>
       </p:ext>
     </p:extLst>
   </p:cSld>
@@ -9024,7 +9075,7 @@
     </p:spTree>
     <p:extLst>
       <p:ext uri="{BB962C8B-B14F-4D97-AF65-F5344CB8AC3E}">
-        <p14:creationId xmlns:p14="http://schemas.microsoft.com/office/powerpoint/2010/main" val="2197771400"/>
+        <p14:creationId xmlns="" xmlns:p14="http://schemas.microsoft.com/office/powerpoint/2010/main" val="2197771400"/>
       </p:ext>
     </p:extLst>
   </p:cSld>
@@ -9091,7 +9142,7 @@
             <p:ph idx="1"/>
             <p:extLst>
               <p:ext uri="{D42A27DB-BD31-4B8C-83A1-F6EECF244321}">
-                <p14:modId xmlns:p14="http://schemas.microsoft.com/office/powerpoint/2010/main" val="2899190325"/>
+                <p14:modId xmlns="" xmlns:p14="http://schemas.microsoft.com/office/powerpoint/2010/main" val="2899190325"/>
               </p:ext>
             </p:extLst>
           </p:nvPr>
@@ -9223,10 +9274,10 @@
           <p:nvPr/>
         </p:nvPicPr>
         <p:blipFill>
-          <a:blip r:embed="rId7">
+          <a:blip r:embed="rId6">
             <a:extLst>
               <a:ext uri="{28A0092B-C50C-407E-A947-70E740481C1C}">
-                <a14:useLocalDpi xmlns:a14="http://schemas.microsoft.com/office/drawing/2010/main" val="0"/>
+                <a14:useLocalDpi xmlns="" xmlns:a14="http://schemas.microsoft.com/office/drawing/2010/main" val="0"/>
               </a:ext>
             </a:extLst>
           </a:blip>
@@ -9250,14 +9301,14 @@
           <a:effectLst/>
           <a:extLst>
             <a:ext uri="{909E8E84-426E-40DD-AFC4-6F175D3DCCD1}">
-              <a14:hiddenFill xmlns:a14="http://schemas.microsoft.com/office/drawing/2010/main">
+              <a14:hiddenFill xmlns="" xmlns:a14="http://schemas.microsoft.com/office/drawing/2010/main">
                 <a:solidFill>
                   <a:schemeClr val="accent1"/>
                 </a:solidFill>
               </a14:hiddenFill>
             </a:ext>
             <a:ext uri="{91240B29-F687-4F45-9708-019B960494DF}">
-              <a14:hiddenLine xmlns:a14="http://schemas.microsoft.com/office/drawing/2010/main" w="9525">
+              <a14:hiddenLine xmlns="" xmlns:a14="http://schemas.microsoft.com/office/drawing/2010/main" w="9525">
                 <a:solidFill>
                   <a:schemeClr val="tx1"/>
                 </a:solidFill>
@@ -9267,7 +9318,7 @@
               </a14:hiddenLine>
             </a:ext>
             <a:ext uri="{AF507438-7753-43E0-B8FC-AC1667EBCBE1}">
-              <a14:hiddenEffects xmlns:a14="http://schemas.microsoft.com/office/drawing/2010/main">
+              <a14:hiddenEffects xmlns="" xmlns:a14="http://schemas.microsoft.com/office/drawing/2010/main">
                 <a:effectLst>
                   <a:outerShdw dist="35921" dir="2700000" algn="ctr" rotWithShape="0">
                     <a:schemeClr val="bg2"/>
@@ -9311,7 +9362,7 @@
     </p:spTree>
     <p:extLst>
       <p:ext uri="{BB962C8B-B14F-4D97-AF65-F5344CB8AC3E}">
-        <p14:creationId xmlns:p14="http://schemas.microsoft.com/office/powerpoint/2010/main" val="1182150355"/>
+        <p14:creationId xmlns="" xmlns:p14="http://schemas.microsoft.com/office/powerpoint/2010/main" val="1182150355"/>
       </p:ext>
     </p:extLst>
   </p:cSld>
@@ -9378,7 +9429,7 @@
             <p:ph idx="1"/>
             <p:extLst>
               <p:ext uri="{D42A27DB-BD31-4B8C-83A1-F6EECF244321}">
-                <p14:modId xmlns:p14="http://schemas.microsoft.com/office/powerpoint/2010/main" val="1831619260"/>
+                <p14:modId xmlns="" xmlns:p14="http://schemas.microsoft.com/office/powerpoint/2010/main" val="1831619260"/>
               </p:ext>
             </p:extLst>
           </p:nvPr>
@@ -10346,7 +10397,7 @@
     </p:spTree>
     <p:extLst>
       <p:ext uri="{BB962C8B-B14F-4D97-AF65-F5344CB8AC3E}">
-        <p14:creationId xmlns:p14="http://schemas.microsoft.com/office/powerpoint/2010/main" val="2402204754"/>
+        <p14:creationId xmlns="" xmlns:p14="http://schemas.microsoft.com/office/powerpoint/2010/main" val="2402204754"/>
       </p:ext>
     </p:extLst>
   </p:cSld>
@@ -10891,7 +10942,7 @@
     </p:spTree>
     <p:extLst>
       <p:ext uri="{BB962C8B-B14F-4D97-AF65-F5344CB8AC3E}">
-        <p14:creationId xmlns:p14="http://schemas.microsoft.com/office/powerpoint/2010/main" val="3450698252"/>
+        <p14:creationId xmlns="" xmlns:p14="http://schemas.microsoft.com/office/powerpoint/2010/main" val="3450698252"/>
       </p:ext>
     </p:extLst>
   </p:cSld>
@@ -10958,7 +11009,7 @@
             <p:ph idx="1"/>
             <p:extLst>
               <p:ext uri="{D42A27DB-BD31-4B8C-83A1-F6EECF244321}">
-                <p14:modId xmlns:p14="http://schemas.microsoft.com/office/powerpoint/2010/main" val="2308854904"/>
+                <p14:modId xmlns="" xmlns:p14="http://schemas.microsoft.com/office/powerpoint/2010/main" val="2308854904"/>
               </p:ext>
             </p:extLst>
           </p:nvPr>
@@ -12905,7 +12956,7 @@
     </p:spTree>
     <p:extLst>
       <p:ext uri="{BB962C8B-B14F-4D97-AF65-F5344CB8AC3E}">
-        <p14:creationId xmlns:p14="http://schemas.microsoft.com/office/powerpoint/2010/main" val="1414902330"/>
+        <p14:creationId xmlns="" xmlns:p14="http://schemas.microsoft.com/office/powerpoint/2010/main" val="1414902330"/>
       </p:ext>
     </p:extLst>
   </p:cSld>
@@ -13126,7 +13177,7 @@
     </p:spTree>
     <p:extLst>
       <p:ext uri="{BB962C8B-B14F-4D97-AF65-F5344CB8AC3E}">
-        <p14:creationId xmlns:p14="http://schemas.microsoft.com/office/powerpoint/2010/main" val="2981957273"/>
+        <p14:creationId xmlns="" xmlns:p14="http://schemas.microsoft.com/office/powerpoint/2010/main" val="2981957273"/>
       </p:ext>
     </p:extLst>
   </p:cSld>
@@ -13313,7 +13364,7 @@
     </p:spTree>
     <p:extLst>
       <p:ext uri="{BB962C8B-B14F-4D97-AF65-F5344CB8AC3E}">
-        <p14:creationId xmlns:p14="http://schemas.microsoft.com/office/powerpoint/2010/main" val="3413557703"/>
+        <p14:creationId xmlns="" xmlns:p14="http://schemas.microsoft.com/office/powerpoint/2010/main" val="3413557703"/>
       </p:ext>
     </p:extLst>
   </p:cSld>
@@ -13410,7 +13461,7 @@
           <a:blip r:embed="rId2">
             <a:extLst>
               <a:ext uri="{28A0092B-C50C-407E-A947-70E740481C1C}">
-                <a14:useLocalDpi xmlns:a14="http://schemas.microsoft.com/office/drawing/2010/main" val="0"/>
+                <a14:useLocalDpi xmlns="" xmlns:a14="http://schemas.microsoft.com/office/drawing/2010/main" val="0"/>
               </a:ext>
             </a:extLst>
           </a:blip>
@@ -13434,14 +13485,14 @@
           <a:effectLst/>
           <a:extLst>
             <a:ext uri="{909E8E84-426E-40DD-AFC4-6F175D3DCCD1}">
-              <a14:hiddenFill xmlns:a14="http://schemas.microsoft.com/office/drawing/2010/main">
+              <a14:hiddenFill xmlns="" xmlns:a14="http://schemas.microsoft.com/office/drawing/2010/main">
                 <a:solidFill>
                   <a:schemeClr val="accent1"/>
                 </a:solidFill>
               </a14:hiddenFill>
             </a:ext>
             <a:ext uri="{91240B29-F687-4F45-9708-019B960494DF}">
-              <a14:hiddenLine xmlns:a14="http://schemas.microsoft.com/office/drawing/2010/main" w="9525">
+              <a14:hiddenLine xmlns="" xmlns:a14="http://schemas.microsoft.com/office/drawing/2010/main" w="9525">
                 <a:solidFill>
                   <a:schemeClr val="tx1"/>
                 </a:solidFill>
@@ -13451,7 +13502,7 @@
               </a14:hiddenLine>
             </a:ext>
             <a:ext uri="{AF507438-7753-43E0-B8FC-AC1667EBCBE1}">
-              <a14:hiddenEffects xmlns:a14="http://schemas.microsoft.com/office/drawing/2010/main">
+              <a14:hiddenEffects xmlns="" xmlns:a14="http://schemas.microsoft.com/office/drawing/2010/main">
                 <a:effectLst>
                   <a:outerShdw dist="35921" dir="2700000" algn="ctr" rotWithShape="0">
                     <a:schemeClr val="bg2"/>
@@ -13465,7 +13516,7 @@
     </p:spTree>
     <p:extLst>
       <p:ext uri="{BB962C8B-B14F-4D97-AF65-F5344CB8AC3E}">
-        <p14:creationId xmlns:p14="http://schemas.microsoft.com/office/powerpoint/2010/main" val="1881004629"/>
+        <p14:creationId xmlns="" xmlns:p14="http://schemas.microsoft.com/office/powerpoint/2010/main" val="1881004629"/>
       </p:ext>
     </p:extLst>
   </p:cSld>
